--- a/AED 2 _ Quicksort, Mergesort e Heapsort.pptx
+++ b/AED 2 _ Quicksort, Mergesort e Heapsort.pptx
@@ -10803,7 +10803,7 @@
                   <a:srgbClr val="000000"/>
                 </a:solidFill>
               </a:rPr>
-              <a:t>Quicksort, Mergesort e Heapsort</a:t>
+              <a:t>Quicksort, Mergesort e Heapsort </a:t>
             </a:r>
             <a:endParaRPr>
               <a:solidFill>

--- a/AED 2 _ Quicksort, Mergesort e Heapsort.pptx
+++ b/AED 2 _ Quicksort, Mergesort e Heapsort.pptx
@@ -13054,7 +13054,7 @@
         </p:nvSpPr>
         <p:spPr>
           <a:xfrm>
-            <a:off x="254775" y="183125"/>
+            <a:off x="270650" y="206620"/>
             <a:ext cx="8726400" cy="4848900"/>
           </a:xfrm>
           <a:prstGeom prst="rect">

--- a/AED 2 _ Quicksort, Mergesort e Heapsort.pptx
+++ b/AED 2 _ Quicksort, Mergesort e Heapsort.pptx
@@ -10813,6 +10813,75 @@
           </a:p>
         </p:txBody>
       </p:sp>
+      <p:sp>
+        <p:nvSpPr>
+          <p:cNvPr id="1" name="Text Box 0"/>
+          <p:cNvSpPr txBox="1"/>
+          <p:nvPr/>
+        </p:nvSpPr>
+        <p:spPr>
+          <a:xfrm>
+            <a:off x="3637915" y="3352800"/>
+            <a:ext cx="4924425" cy="1168400"/>
+          </a:xfrm>
+          <a:prstGeom prst="rect">
+            <a:avLst/>
+          </a:prstGeom>
+          <a:noFill/>
+        </p:spPr>
+        <p:txBody>
+          <a:bodyPr wrap="square" rtlCol="0">
+            <a:spAutoFit/>
+          </a:bodyPr>
+          <a:p>
+            <a:r>
+              <a:rPr lang="" altLang="en-US"/>
+              <a:t>Grupo 2: </a:t>
+            </a:r>
+            <a:endParaRPr lang="" altLang="en-US"/>
+          </a:p>
+          <a:p>
+            <a:pPr marL="285750" indent="-285750">
+              <a:buFont typeface="Arial" panose="02080604020202020204" pitchFamily="34" charset="0"/>
+              <a:buChar char="•"/>
+            </a:pPr>
+            <a:r>
+              <a:rPr lang="" altLang="en-US"/>
+              <a:t>Calebe Roberto;</a:t>
+            </a:r>
+            <a:endParaRPr lang="" altLang="en-US"/>
+          </a:p>
+          <a:p>
+            <a:pPr marL="285750" indent="-285750">
+              <a:buFont typeface="Arial" panose="02080604020202020204" pitchFamily="34" charset="0"/>
+              <a:buChar char="•"/>
+            </a:pPr>
+            <a:r>
+              <a:rPr lang="" altLang="en-US"/>
+              <a:t>Carlos Eduardo;</a:t>
+            </a:r>
+            <a:endParaRPr lang="" altLang="en-US"/>
+          </a:p>
+          <a:p>
+            <a:pPr marL="285750" indent="-285750">
+              <a:buFont typeface="Arial" panose="02080604020202020204" pitchFamily="34" charset="0"/>
+              <a:buChar char="•"/>
+            </a:pPr>
+            <a:r>
+              <a:rPr lang="" altLang="en-US"/>
+              <a:t>Daniel Chen;</a:t>
+            </a:r>
+            <a:endParaRPr lang="" altLang="en-US"/>
+          </a:p>
+          <a:p>
+            <a:pPr marL="285750" indent="-285750">
+              <a:buFont typeface="Arial" panose="02080604020202020204" pitchFamily="34" charset="0"/>
+              <a:buChar char="•"/>
+            </a:pPr>
+            <a:endParaRPr lang="" altLang="en-US"/>
+          </a:p>
+        </p:txBody>
+      </p:sp>
     </p:spTree>
   </p:cSld>
   <p:clrMapOvr>
